--- a/Incident Management.pptx
+++ b/Incident Management.pptx
@@ -5,27 +5,29 @@
     <p:sldMasterId id="2147483672" r:id="rId1"/>
   </p:sldMasterIdLst>
   <p:sldIdLst>
-    <p:sldId id="256" r:id="rId2"/>
-    <p:sldId id="257" r:id="rId3"/>
-    <p:sldId id="258" r:id="rId4"/>
-    <p:sldId id="279" r:id="rId5"/>
-    <p:sldId id="280" r:id="rId6"/>
-    <p:sldId id="281" r:id="rId7"/>
-    <p:sldId id="282" r:id="rId8"/>
-    <p:sldId id="283" r:id="rId9"/>
-    <p:sldId id="284" r:id="rId10"/>
-    <p:sldId id="296" r:id="rId11"/>
-    <p:sldId id="285" r:id="rId12"/>
-    <p:sldId id="286" r:id="rId13"/>
-    <p:sldId id="287" r:id="rId14"/>
-    <p:sldId id="288" r:id="rId15"/>
-    <p:sldId id="289" r:id="rId16"/>
-    <p:sldId id="290" r:id="rId17"/>
-    <p:sldId id="291" r:id="rId18"/>
-    <p:sldId id="292" r:id="rId19"/>
-    <p:sldId id="293" r:id="rId20"/>
-    <p:sldId id="294" r:id="rId21"/>
-    <p:sldId id="295" r:id="rId22"/>
+    <p:sldId id="299" r:id="rId2"/>
+    <p:sldId id="300" r:id="rId3"/>
+    <p:sldId id="256" r:id="rId4"/>
+    <p:sldId id="297" r:id="rId5"/>
+    <p:sldId id="257" r:id="rId6"/>
+    <p:sldId id="258" r:id="rId7"/>
+    <p:sldId id="279" r:id="rId8"/>
+    <p:sldId id="280" r:id="rId9"/>
+    <p:sldId id="281" r:id="rId10"/>
+    <p:sldId id="282" r:id="rId11"/>
+    <p:sldId id="283" r:id="rId12"/>
+    <p:sldId id="284" r:id="rId13"/>
+    <p:sldId id="296" r:id="rId14"/>
+    <p:sldId id="285" r:id="rId15"/>
+    <p:sldId id="286" r:id="rId16"/>
+    <p:sldId id="287" r:id="rId17"/>
+    <p:sldId id="289" r:id="rId18"/>
+    <p:sldId id="290" r:id="rId19"/>
+    <p:sldId id="291" r:id="rId20"/>
+    <p:sldId id="292" r:id="rId21"/>
+    <p:sldId id="293" r:id="rId22"/>
+    <p:sldId id="294" r:id="rId23"/>
+    <p:sldId id="295" r:id="rId24"/>
   </p:sldIdLst>
   <p:sldSz cx="9144000" cy="6858000" type="screen4x3"/>
   <p:notesSz cx="6858000" cy="9144000"/>
@@ -3201,35 +3203,14 @@
             <p:ph type="ctrTitle"/>
           </p:nvPr>
         </p:nvSpPr>
-        <p:spPr>
-          <a:xfrm>
-            <a:off x="685800" y="2130425"/>
-            <a:ext cx="7772400" cy="1658615"/>
-          </a:xfrm>
-        </p:spPr>
-        <p:txBody>
-          <a:bodyPr>
-            <a:normAutofit fontScale="90000"/>
-          </a:bodyPr>
-          <a:lstStyle/>
-          <a:p>
-            <a:r>
-              <a:rPr lang="en-IN" dirty="0" smtClean="0"/>
-              <a:t>Incident Management</a:t>
-            </a:r>
-            <a:br>
-              <a:rPr lang="en-IN" dirty="0" smtClean="0"/>
-            </a:br>
-            <a:r>
-              <a:rPr lang="en-IN" dirty="0" smtClean="0"/>
-              <a:t>Problem Management</a:t>
-            </a:r>
-            <a:br>
-              <a:rPr lang="en-IN" dirty="0" smtClean="0"/>
-            </a:br>
-            <a:r>
-              <a:rPr lang="en-IN" dirty="0" smtClean="0"/>
-              <a:t>IMPM</a:t>
+        <p:spPr/>
+        <p:txBody>
+          <a:bodyPr/>
+          <a:lstStyle/>
+          <a:p>
+            <a:r>
+              <a:rPr lang="en-IN" dirty="0" smtClean="0"/>
+              <a:t>Swiss Re overview</a:t>
             </a:r>
             <a:endParaRPr lang="en-IN" dirty="0"/>
           </a:p>
@@ -3250,18 +3231,14 @@
           <a:bodyPr/>
           <a:lstStyle/>
           <a:p>
-            <a:r>
-              <a:rPr lang="en-IN" dirty="0" smtClean="0"/>
-              <a:t> </a:t>
-            </a:r>
-            <a:endParaRPr lang="en-IN" dirty="0"/>
+            <a:endParaRPr lang="en-IN"/>
           </a:p>
         </p:txBody>
       </p:sp>
     </p:spTree>
     <p:extLst>
       <p:ext uri="{BB962C8B-B14F-4D97-AF65-F5344CB8AC3E}">
-        <p14:creationId xmlns:p14="http://schemas.microsoft.com/office/powerpoint/2010/main" val="1400362397"/>
+        <p14:creationId xmlns:p14="http://schemas.microsoft.com/office/powerpoint/2010/main" val="1587730839"/>
       </p:ext>
     </p:extLst>
   </p:cSld>
@@ -3328,67 +3305,35 @@
           <a:p>
             <a:r>
               <a:rPr lang="en-IN" dirty="0"/>
-              <a:t>A status change to Customer will also trigger a notification to user </a:t>
-            </a:r>
-          </a:p>
-          <a:p>
-            <a:r>
-              <a:rPr lang="en-IN" dirty="0" smtClean="0"/>
-              <a:t>3 strike below</a:t>
-            </a:r>
-          </a:p>
-          <a:p>
-            <a:endParaRPr lang="en-IN" dirty="0" smtClean="0"/>
-          </a:p>
-          <a:p>
-            <a:r>
-              <a:rPr lang="en-IN" dirty="0" smtClean="0"/>
-              <a:t> </a:t>
+              <a:t>If the issue raised is caused due to a recent change/deployment, ensure to follow the below mentioned </a:t>
+            </a:r>
+            <a:r>
+              <a:rPr lang="en-IN" dirty="0" smtClean="0"/>
+              <a:t>steps</a:t>
+            </a:r>
+          </a:p>
+          <a:p>
+            <a:r>
+              <a:rPr lang="en-IN" dirty="0" smtClean="0"/>
+              <a:t>CR </a:t>
             </a:r>
             <a:r>
               <a:rPr lang="en-IN" dirty="0"/>
-              <a:t>If user hasn’t come back through SNOW, possible other ways of reaching user should be tried like </a:t>
-            </a:r>
-            <a:r>
-              <a:rPr lang="en-IN" dirty="0" err="1"/>
-              <a:t>lync</a:t>
+              <a:t>number/case number to be in added into the "External Id </a:t>
+            </a:r>
+            <a:r>
+              <a:rPr lang="en-IN" dirty="0" smtClean="0"/>
+              <a:t>field</a:t>
+            </a:r>
+          </a:p>
+          <a:p>
+            <a:r>
+              <a:rPr lang="en-IN" dirty="0" smtClean="0"/>
+              <a:t>High </a:t>
             </a:r>
             <a:r>
               <a:rPr lang="en-IN" dirty="0"/>
-              <a:t>, </a:t>
-            </a:r>
-            <a:r>
-              <a:rPr lang="en-IN" dirty="0" err="1"/>
-              <a:t>skype</a:t>
-            </a:r>
-            <a:r>
-              <a:rPr lang="en-IN" dirty="0"/>
-              <a:t> call, </a:t>
-            </a:r>
-            <a:r>
-              <a:rPr lang="en-IN" dirty="0" smtClean="0"/>
-              <a:t>email.</a:t>
-            </a:r>
-          </a:p>
-          <a:p>
-            <a:endParaRPr lang="en-IN" dirty="0" smtClean="0"/>
-          </a:p>
-          <a:p>
-            <a:r>
-              <a:rPr lang="en-IN" dirty="0" smtClean="0"/>
-              <a:t> </a:t>
-            </a:r>
-            <a:r>
-              <a:rPr lang="en-IN" dirty="0"/>
-              <a:t>Time for Appointment/meeting with customer is arranged to discuss the issue for further analysis or confirmation of issue resolution is </a:t>
-            </a:r>
-            <a:r>
-              <a:rPr lang="en-IN" dirty="0" err="1"/>
-              <a:t>seeked</a:t>
-            </a:r>
-            <a:r>
-              <a:rPr lang="en-IN" dirty="0"/>
-              <a:t>. The agreed time must be documented in the customer communication field before the status gets changed</a:t>
+              <a:t>level description of the change to be commented in work notes</a:t>
             </a:r>
           </a:p>
         </p:txBody>
@@ -3396,7 +3341,7 @@
     </p:spTree>
     <p:extLst>
       <p:ext uri="{BB962C8B-B14F-4D97-AF65-F5344CB8AC3E}">
-        <p14:creationId xmlns:p14="http://schemas.microsoft.com/office/powerpoint/2010/main" val="1773470390"/>
+        <p14:creationId xmlns:p14="http://schemas.microsoft.com/office/powerpoint/2010/main" val="320676604"/>
       </p:ext>
     </p:extLst>
   </p:cSld>
@@ -3440,7 +3385,7 @@
           <a:p>
             <a:r>
               <a:rPr lang="en-IN" dirty="0" smtClean="0"/>
-              <a:t>ICM – Waiting For Dependency</a:t>
+              <a:t>ICM – Waiting for Customer</a:t>
             </a:r>
             <a:endParaRPr lang="en-IN" dirty="0"/>
           </a:p>
@@ -3458,55 +3403,38 @@
         </p:nvSpPr>
         <p:spPr/>
         <p:txBody>
-          <a:bodyPr/>
+          <a:bodyPr>
+            <a:normAutofit/>
+          </a:bodyPr>
           <a:lstStyle/>
           <a:p>
             <a:r>
               <a:rPr lang="en-IN" dirty="0"/>
-              <a:t>This waiting reason is used when </a:t>
-            </a:r>
-            <a:endParaRPr lang="en-IN" dirty="0" smtClean="0"/>
+              <a:t>There are two reasons of waiting for statuses and the applicability of each status is detailed below</a:t>
+            </a:r>
+            <a:r>
+              <a:rPr lang="en-IN" dirty="0" smtClean="0"/>
+              <a:t>.</a:t>
+            </a:r>
           </a:p>
           <a:p>
             <a:endParaRPr lang="en-IN" dirty="0"/>
           </a:p>
           <a:p>
             <a:r>
-              <a:rPr lang="en-IN" dirty="0" smtClean="0"/>
-              <a:t> </a:t>
-            </a:r>
-            <a:r>
               <a:rPr lang="en-IN" dirty="0"/>
-              <a:t>Problem resolution or change initiated for an </a:t>
-            </a:r>
-            <a:r>
-              <a:rPr lang="en-IN" dirty="0" smtClean="0"/>
-              <a:t>incident</a:t>
-            </a:r>
-          </a:p>
-          <a:p>
-            <a:endParaRPr lang="en-IN" dirty="0" smtClean="0"/>
-          </a:p>
-          <a:p>
-            <a:r>
-              <a:rPr lang="en-IN" dirty="0" smtClean="0"/>
-              <a:t>Agreed </a:t>
-            </a:r>
-            <a:r>
-              <a:rPr lang="en-IN" dirty="0"/>
-              <a:t>event in the future (i.e. salary raise) initiated for an incident </a:t>
-            </a:r>
-            <a:endParaRPr lang="en-IN" dirty="0" smtClean="0"/>
-          </a:p>
-          <a:p>
-            <a:r>
-              <a:rPr lang="en-IN" dirty="0" smtClean="0"/>
-              <a:t> </a:t>
-            </a:r>
-            <a:r>
-              <a:rPr lang="en-IN" dirty="0"/>
-              <a:t>Comments need to be updated in the either 'Customer Communication' /Work note field of incident</a:t>
-            </a:r>
+              <a:t>This waiting reason is used in case further information from customer is needed to further investigate the issue, or if the confirmation that the reported issue is resolved is needed</a:t>
+            </a:r>
+            <a:r>
+              <a:rPr lang="en-IN" dirty="0" smtClean="0"/>
+              <a:t>.</a:t>
+            </a:r>
+          </a:p>
+          <a:p>
+            <a:pPr marL="114300" indent="0">
+              <a:buNone/>
+            </a:pPr>
+            <a:endParaRPr lang="en-IN" dirty="0"/>
           </a:p>
         </p:txBody>
       </p:sp>
@@ -3575,9 +3503,7 @@
         </p:nvSpPr>
         <p:spPr/>
         <p:txBody>
-          <a:bodyPr>
-            <a:normAutofit fontScale="92500" lnSpcReduction="20000"/>
-          </a:bodyPr>
+          <a:bodyPr/>
           <a:lstStyle/>
           <a:p>
             <a:r>
@@ -3586,107 +3512,31 @@
             </a:r>
             <a:r>
               <a:rPr lang="en-IN" dirty="0"/>
-              <a:t>Problem resolution </a:t>
-            </a:r>
+              <a:t>Comments must be updated in the 'Customer Communication' field of </a:t>
+            </a:r>
+            <a:r>
+              <a:rPr lang="en-IN" dirty="0" smtClean="0"/>
+              <a:t>incident</a:t>
+            </a:r>
+          </a:p>
+          <a:p>
             <a:endParaRPr lang="en-IN" dirty="0" smtClean="0"/>
           </a:p>
           <a:p>
-            <a:r>
-              <a:rPr lang="en-IN" dirty="0" smtClean="0"/>
-              <a:t>If </a:t>
+            <a:endParaRPr lang="en-IN" dirty="0" smtClean="0"/>
+          </a:p>
+          <a:p>
+            <a:r>
+              <a:rPr lang="en-IN" dirty="0" smtClean="0"/>
+              <a:t> </a:t>
             </a:r>
             <a:r>
               <a:rPr lang="en-IN" dirty="0"/>
-              <a:t>there is any issue with the product (Example: SF/</a:t>
-            </a:r>
-            <a:r>
-              <a:rPr lang="en-IN" dirty="0" err="1"/>
-              <a:t>Coupa</a:t>
-            </a:r>
-            <a:r>
-              <a:rPr lang="en-IN" dirty="0"/>
-              <a:t> </a:t>
-            </a:r>
-            <a:r>
-              <a:rPr lang="en-IN" dirty="0" err="1"/>
-              <a:t>etc</a:t>
-            </a:r>
-            <a:r>
-              <a:rPr lang="en-IN" dirty="0"/>
-              <a:t>), an case is raised to contact (Example: SF/</a:t>
-            </a:r>
-            <a:r>
-              <a:rPr lang="en-IN" dirty="0" err="1"/>
-              <a:t>Coupa</a:t>
-            </a:r>
-            <a:r>
-              <a:rPr lang="en-IN" dirty="0"/>
-              <a:t> </a:t>
-            </a:r>
-            <a:r>
-              <a:rPr lang="en-IN" dirty="0" err="1"/>
-              <a:t>etc</a:t>
-            </a:r>
-            <a:r>
-              <a:rPr lang="en-IN" dirty="0"/>
-              <a:t>), for the same. The same will be notified to the Application Manager. A problem ticket will be created for the same and the issue is tracked though the problem ticket. The problem ticket is linked to the problem ticket and further analysis is done</a:t>
-            </a:r>
-            <a:r>
-              <a:rPr lang="en-IN" dirty="0" smtClean="0"/>
-              <a:t>.</a:t>
-            </a:r>
-          </a:p>
-          <a:p>
-            <a:pPr marL="114300" indent="0">
-              <a:buNone/>
-            </a:pPr>
-            <a:r>
-              <a:rPr lang="en-IN" dirty="0" smtClean="0"/>
-              <a:t> </a:t>
-            </a:r>
-          </a:p>
-          <a:p>
-            <a:r>
-              <a:rPr lang="en-IN" dirty="0" smtClean="0"/>
-              <a:t> </a:t>
-            </a:r>
-            <a:r>
-              <a:rPr lang="en-IN" dirty="0"/>
-              <a:t>When the action either resolution or clarification is needed by a third party vendor and/or any other stakeholder not available in SNOW </a:t>
-            </a:r>
-            <a:endParaRPr lang="en-IN" dirty="0" smtClean="0"/>
-          </a:p>
-          <a:p>
-            <a:r>
-              <a:rPr lang="en-IN" dirty="0" smtClean="0"/>
-              <a:t> </a:t>
-            </a:r>
-            <a:r>
-              <a:rPr lang="en-IN" dirty="0"/>
-              <a:t>When multiple tickets are raised for the same issue, a problem ticket is created </a:t>
-            </a:r>
-            <a:endParaRPr lang="en-IN" dirty="0" smtClean="0"/>
-          </a:p>
-          <a:p>
-            <a:r>
-              <a:rPr lang="en-IN" dirty="0" smtClean="0"/>
-              <a:t>When </a:t>
-            </a:r>
-            <a:r>
-              <a:rPr lang="en-IN" dirty="0"/>
-              <a:t>there is no workaround or timely resolution available for an incident that’s being worked upon </a:t>
-            </a:r>
-            <a:endParaRPr lang="en-IN" dirty="0" smtClean="0"/>
-          </a:p>
-          <a:p>
-            <a:r>
-              <a:rPr lang="en-IN" dirty="0" smtClean="0"/>
-              <a:t>Any </a:t>
-            </a:r>
-            <a:r>
-              <a:rPr lang="en-IN" dirty="0"/>
-              <a:t>known potential issue (pro-active problem management).</a:t>
-            </a:r>
+              <a:t>All the communication made to customer needs to be in simple business language, avoiding technical jargon as much as possible and in a way that’s easy for customer to understand</a:t>
+            </a:r>
+          </a:p>
+          <a:p>
+            <a:endParaRPr lang="en-IN" dirty="0"/>
           </a:p>
         </p:txBody>
       </p:sp>
@@ -3737,7 +3587,7 @@
           <a:p>
             <a:r>
               <a:rPr lang="en-IN" dirty="0" smtClean="0"/>
-              <a:t>Resolved</a:t>
+              <a:t> </a:t>
             </a:r>
             <a:endParaRPr lang="en-IN" dirty="0"/>
           </a:p>
@@ -3759,33 +3609,35 @@
           <a:lstStyle/>
           <a:p>
             <a:r>
-              <a:rPr lang="en-IN" dirty="0" smtClean="0"/>
-              <a:t>The </a:t>
-            </a:r>
-            <a:r>
               <a:rPr lang="en-IN" dirty="0"/>
-              <a:t>status of ticket is changed to resolved only when </a:t>
-            </a:r>
-          </a:p>
-          <a:p>
-            <a:r>
-              <a:rPr lang="en-IN" dirty="0" smtClean="0"/>
-              <a:t>The </a:t>
+              <a:t>A status change to Customer will also trigger a notification to user </a:t>
+            </a:r>
+          </a:p>
+          <a:p>
+            <a:r>
+              <a:rPr lang="en-IN" dirty="0" smtClean="0"/>
+              <a:t>3 strike below</a:t>
+            </a:r>
+          </a:p>
+          <a:p>
+            <a:endParaRPr lang="en-IN" dirty="0" smtClean="0"/>
+          </a:p>
+          <a:p>
+            <a:r>
+              <a:rPr lang="en-IN" dirty="0" smtClean="0"/>
+              <a:t>Time </a:t>
             </a:r>
             <a:r>
               <a:rPr lang="en-IN" dirty="0"/>
-              <a:t>root cause is identified and a permanent resolution is in place </a:t>
-            </a:r>
-            <a:endParaRPr lang="en-IN" dirty="0" smtClean="0"/>
-          </a:p>
-          <a:p>
-            <a:r>
-              <a:rPr lang="en-IN" dirty="0" smtClean="0"/>
-              <a:t> </a:t>
+              <a:t>for Appointment/meeting with customer is arranged to discuss the issue for further analysis or confirmation of issue resolution is </a:t>
+            </a:r>
+            <a:r>
+              <a:rPr lang="en-IN" dirty="0" err="1"/>
+              <a:t>seeked</a:t>
             </a:r>
             <a:r>
               <a:rPr lang="en-IN" dirty="0"/>
-              <a:t>Do a quick check in the database to see if this is a known error; If so, apply the solution</a:t>
+              <a:t>. The agreed time must be documented in the customer communication field before the status gets changed</a:t>
             </a:r>
           </a:p>
         </p:txBody>
@@ -3793,7 +3645,7 @@
     </p:spTree>
     <p:extLst>
       <p:ext uri="{BB962C8B-B14F-4D97-AF65-F5344CB8AC3E}">
-        <p14:creationId xmlns:p14="http://schemas.microsoft.com/office/powerpoint/2010/main" val="320676604"/>
+        <p14:creationId xmlns:p14="http://schemas.microsoft.com/office/powerpoint/2010/main" val="1773470390"/>
       </p:ext>
     </p:extLst>
   </p:cSld>
@@ -3837,33 +3689,61 @@
           <a:p>
             <a:r>
               <a:rPr lang="en-IN" dirty="0" smtClean="0"/>
+              <a:t>ICM – Waiting For Dependency</a:t>
+            </a:r>
+            <a:endParaRPr lang="en-IN" dirty="0"/>
+          </a:p>
+        </p:txBody>
+      </p:sp>
+      <p:sp>
+        <p:nvSpPr>
+          <p:cNvPr id="3" name="Content Placeholder 2"/>
+          <p:cNvSpPr>
+            <a:spLocks noGrp="1"/>
+          </p:cNvSpPr>
+          <p:nvPr>
+            <p:ph idx="1"/>
+          </p:nvPr>
+        </p:nvSpPr>
+        <p:spPr/>
+        <p:txBody>
+          <a:bodyPr/>
+          <a:lstStyle/>
+          <a:p>
+            <a:r>
+              <a:rPr lang="en-IN" dirty="0"/>
+              <a:t>This waiting reason is used when </a:t>
+            </a:r>
+            <a:endParaRPr lang="en-IN" dirty="0" smtClean="0"/>
+          </a:p>
+          <a:p>
+            <a:endParaRPr lang="en-IN" dirty="0"/>
+          </a:p>
+          <a:p>
+            <a:r>
+              <a:rPr lang="en-IN" dirty="0" smtClean="0"/>
               <a:t> </a:t>
             </a:r>
-            <a:endParaRPr lang="en-IN" dirty="0"/>
-          </a:p>
-        </p:txBody>
-      </p:sp>
-      <p:sp>
-        <p:nvSpPr>
-          <p:cNvPr id="3" name="Content Placeholder 2"/>
-          <p:cNvSpPr>
-            <a:spLocks noGrp="1"/>
-          </p:cNvSpPr>
-          <p:nvPr>
-            <p:ph idx="1"/>
-          </p:nvPr>
-        </p:nvSpPr>
-        <p:spPr/>
-        <p:txBody>
-          <a:bodyPr/>
-          <a:lstStyle/>
+            <a:r>
+              <a:rPr lang="en-IN" dirty="0"/>
+              <a:t>Problem resolution or change initiated for an </a:t>
+            </a:r>
+            <a:r>
+              <a:rPr lang="en-IN" dirty="0" smtClean="0"/>
+              <a:t>incident</a:t>
+            </a:r>
+          </a:p>
           <a:p>
             <a:endParaRPr lang="en-IN" dirty="0" smtClean="0"/>
           </a:p>
           <a:p>
             <a:r>
+              <a:rPr lang="en-IN" dirty="0" smtClean="0"/>
+              <a:t>Agreed </a:t>
+            </a:r>
+            <a:r>
               <a:rPr lang="en-IN" dirty="0"/>
-              <a:t>If this is a new incident, check to see if a ready solution is available </a:t>
+              <a:t>event in the future (i.e. salary raise) initiated for an incident </a:t>
             </a:r>
             <a:endParaRPr lang="en-IN" dirty="0" smtClean="0"/>
           </a:p>
@@ -3874,56 +3754,7 @@
             </a:r>
             <a:r>
               <a:rPr lang="en-IN" dirty="0"/>
-              <a:t>User confirmation can happen in any mode – SNOW, email, </a:t>
-            </a:r>
-            <a:r>
-              <a:rPr lang="en-IN" dirty="0" err="1"/>
-              <a:t>lync</a:t>
-            </a:r>
-            <a:r>
-              <a:rPr lang="en-IN" dirty="0"/>
-              <a:t>, </a:t>
-            </a:r>
-            <a:r>
-              <a:rPr lang="en-IN" dirty="0" err="1"/>
-              <a:t>skype</a:t>
-            </a:r>
-            <a:r>
-              <a:rPr lang="en-IN" dirty="0"/>
-              <a:t>, however the same needs to be updated (where, how and when) in customer communication field of the ticket before the status changes to resolved </a:t>
-            </a:r>
-            <a:endParaRPr lang="en-IN" dirty="0" smtClean="0"/>
-          </a:p>
-          <a:p>
-            <a:r>
-              <a:rPr lang="en-IN" dirty="0" smtClean="0"/>
-              <a:t>Attempt </a:t>
-            </a:r>
-            <a:r>
-              <a:rPr lang="en-IN" dirty="0"/>
-              <a:t>to contact customer 3 times over a reasonable amount of time e.g., a </a:t>
-            </a:r>
-            <a:r>
-              <a:rPr lang="en-IN" dirty="0" smtClean="0"/>
-              <a:t>week</a:t>
-            </a:r>
-          </a:p>
-          <a:p>
-            <a:r>
-              <a:rPr lang="en-IN" dirty="0" smtClean="0"/>
-              <a:t>  </a:t>
-            </a:r>
-            <a:r>
-              <a:rPr lang="en-IN" dirty="0"/>
-              <a:t>Even after applying the 3-strike rule (contact customer </a:t>
-            </a:r>
-            <a:r>
-              <a:rPr lang="en-IN" dirty="0" err="1"/>
-              <a:t>atleast</a:t>
-            </a:r>
-            <a:r>
-              <a:rPr lang="en-IN" dirty="0"/>
-              <a:t> thrice and receive no response), there is no response, the ticket can be closed with the following update in customer communication field.</a:t>
+              <a:t>Comments need to be updated in the either 'Customer Communication' /Work note field of incident</a:t>
             </a:r>
           </a:p>
         </p:txBody>
@@ -3975,7 +3806,7 @@
           <a:p>
             <a:r>
               <a:rPr lang="en-IN" dirty="0" smtClean="0"/>
-              <a:t>Problem Management Process</a:t>
+              <a:t> </a:t>
             </a:r>
             <a:endParaRPr lang="en-IN" dirty="0"/>
           </a:p>
@@ -3993,12 +3824,61 @@
         </p:nvSpPr>
         <p:spPr/>
         <p:txBody>
-          <a:bodyPr/>
-          <a:lstStyle/>
-          <a:p>
+          <a:bodyPr>
+            <a:normAutofit fontScale="92500" lnSpcReduction="20000"/>
+          </a:bodyPr>
+          <a:lstStyle/>
+          <a:p>
+            <a:r>
+              <a:rPr lang="en-IN" dirty="0" smtClean="0"/>
+              <a:t> </a:t>
+            </a:r>
             <a:r>
               <a:rPr lang="en-IN" dirty="0"/>
-              <a:t>A problem ticket can be created for various multiple reasons as detailed below including both pro-active problem management and/or re-active problem management</a:t>
+              <a:t>Problem resolution </a:t>
+            </a:r>
+            <a:endParaRPr lang="en-IN" dirty="0" smtClean="0"/>
+          </a:p>
+          <a:p>
+            <a:r>
+              <a:rPr lang="en-IN" dirty="0" smtClean="0"/>
+              <a:t>If </a:t>
+            </a:r>
+            <a:r>
+              <a:rPr lang="en-IN" dirty="0"/>
+              <a:t>there is any issue with the product (Example: SF/</a:t>
+            </a:r>
+            <a:r>
+              <a:rPr lang="en-IN" dirty="0" err="1"/>
+              <a:t>Coupa</a:t>
+            </a:r>
+            <a:r>
+              <a:rPr lang="en-IN" dirty="0"/>
+              <a:t> </a:t>
+            </a:r>
+            <a:r>
+              <a:rPr lang="en-IN" dirty="0" err="1"/>
+              <a:t>etc</a:t>
+            </a:r>
+            <a:r>
+              <a:rPr lang="en-IN" dirty="0"/>
+              <a:t>), an case is raised to contact (Example: SF/</a:t>
+            </a:r>
+            <a:r>
+              <a:rPr lang="en-IN" dirty="0" err="1"/>
+              <a:t>Coupa</a:t>
+            </a:r>
+            <a:r>
+              <a:rPr lang="en-IN" dirty="0"/>
+              <a:t> </a:t>
+            </a:r>
+            <a:r>
+              <a:rPr lang="en-IN" dirty="0" err="1"/>
+              <a:t>etc</a:t>
+            </a:r>
+            <a:r>
+              <a:rPr lang="en-IN" dirty="0"/>
+              <a:t>), for the same. The same will be notified to the Application Manager. A problem ticket will be created for the same and the issue is tracked though the problem ticket. The problem ticket is linked to the problem ticket and further analysis is done</a:t>
             </a:r>
             <a:r>
               <a:rPr lang="en-IN" dirty="0" smtClean="0"/>
@@ -4006,25 +3886,56 @@
             </a:r>
           </a:p>
           <a:p>
-            <a:endParaRPr lang="en-IN" dirty="0"/>
-          </a:p>
-          <a:p>
-            <a:r>
-              <a:rPr lang="en-IN" dirty="0" smtClean="0"/>
-              <a:t>Proactive - </a:t>
-            </a:r>
-          </a:p>
-          <a:p>
-            <a:endParaRPr lang="en-IN" dirty="0"/>
-          </a:p>
-          <a:p>
-            <a:r>
-              <a:rPr lang="en-IN" dirty="0" smtClean="0"/>
-              <a:t>Reactive -  </a:t>
-            </a:r>
-          </a:p>
-          <a:p>
-            <a:endParaRPr lang="en-IN" dirty="0"/>
+            <a:pPr marL="114300" indent="0">
+              <a:buNone/>
+            </a:pPr>
+            <a:r>
+              <a:rPr lang="en-IN" dirty="0" smtClean="0"/>
+              <a:t> </a:t>
+            </a:r>
+          </a:p>
+          <a:p>
+            <a:r>
+              <a:rPr lang="en-IN" dirty="0" smtClean="0"/>
+              <a:t> </a:t>
+            </a:r>
+            <a:r>
+              <a:rPr lang="en-IN" dirty="0"/>
+              <a:t>When the action either resolution or clarification is needed by a third party vendor and/or any other stakeholder not available in SNOW </a:t>
+            </a:r>
+            <a:endParaRPr lang="en-IN" dirty="0" smtClean="0"/>
+          </a:p>
+          <a:p>
+            <a:r>
+              <a:rPr lang="en-IN" dirty="0" smtClean="0"/>
+              <a:t> </a:t>
+            </a:r>
+            <a:r>
+              <a:rPr lang="en-IN" dirty="0"/>
+              <a:t>When multiple tickets are raised for the same issue, a problem ticket is created </a:t>
+            </a:r>
+            <a:endParaRPr lang="en-IN" dirty="0" smtClean="0"/>
+          </a:p>
+          <a:p>
+            <a:r>
+              <a:rPr lang="en-IN" dirty="0" smtClean="0"/>
+              <a:t>When </a:t>
+            </a:r>
+            <a:r>
+              <a:rPr lang="en-IN" dirty="0"/>
+              <a:t>there is no workaround or timely resolution available for an incident that’s being worked upon </a:t>
+            </a:r>
+            <a:endParaRPr lang="en-IN" dirty="0" smtClean="0"/>
+          </a:p>
+          <a:p>
+            <a:r>
+              <a:rPr lang="en-IN" dirty="0" smtClean="0"/>
+              <a:t>Any </a:t>
+            </a:r>
+            <a:r>
+              <a:rPr lang="en-IN" dirty="0"/>
+              <a:t>known potential issue (pro-active problem management).</a:t>
+            </a:r>
           </a:p>
         </p:txBody>
       </p:sp>
@@ -4075,94 +3986,55 @@
           <a:p>
             <a:r>
               <a:rPr lang="en-IN" dirty="0" smtClean="0"/>
+              <a:t>Resolved</a:t>
+            </a:r>
+            <a:endParaRPr lang="en-IN" dirty="0"/>
+          </a:p>
+        </p:txBody>
+      </p:sp>
+      <p:sp>
+        <p:nvSpPr>
+          <p:cNvPr id="3" name="Content Placeholder 2"/>
+          <p:cNvSpPr>
+            <a:spLocks noGrp="1"/>
+          </p:cNvSpPr>
+          <p:nvPr>
+            <p:ph idx="1"/>
+          </p:nvPr>
+        </p:nvSpPr>
+        <p:spPr/>
+        <p:txBody>
+          <a:bodyPr/>
+          <a:lstStyle/>
+          <a:p>
+            <a:r>
+              <a:rPr lang="en-IN" dirty="0" smtClean="0"/>
+              <a:t>The </a:t>
+            </a:r>
+            <a:r>
+              <a:rPr lang="en-IN" dirty="0"/>
+              <a:t>status of ticket is changed to resolved only when </a:t>
+            </a:r>
+          </a:p>
+          <a:p>
+            <a:r>
+              <a:rPr lang="en-IN" dirty="0" smtClean="0"/>
+              <a:t>The </a:t>
+            </a:r>
+            <a:r>
+              <a:rPr lang="en-IN" dirty="0"/>
+              <a:t>root cause is identified and a permanent resolution is in place </a:t>
+            </a:r>
+            <a:endParaRPr lang="en-IN" dirty="0" smtClean="0"/>
+          </a:p>
+          <a:p>
+            <a:r>
+              <a:rPr lang="en-IN" dirty="0" smtClean="0"/>
               <a:t> </a:t>
             </a:r>
-            <a:endParaRPr lang="en-IN" dirty="0"/>
-          </a:p>
-        </p:txBody>
-      </p:sp>
-      <p:sp>
-        <p:nvSpPr>
-          <p:cNvPr id="3" name="Content Placeholder 2"/>
-          <p:cNvSpPr>
-            <a:spLocks noGrp="1"/>
-          </p:cNvSpPr>
-          <p:nvPr>
-            <p:ph idx="1"/>
-          </p:nvPr>
-        </p:nvSpPr>
-        <p:spPr/>
-        <p:txBody>
-          <a:bodyPr/>
-          <a:lstStyle/>
-          <a:p>
             <a:r>
               <a:rPr lang="en-IN" dirty="0"/>
-              <a:t>If there is any issue with the product (Example: SF/</a:t>
-            </a:r>
-            <a:r>
-              <a:rPr lang="en-IN" dirty="0" err="1"/>
-              <a:t>Coupa</a:t>
-            </a:r>
-            <a:r>
-              <a:rPr lang="en-IN" dirty="0"/>
-              <a:t> </a:t>
-            </a:r>
-            <a:r>
-              <a:rPr lang="en-IN" dirty="0" err="1"/>
-              <a:t>etc</a:t>
-            </a:r>
-            <a:r>
-              <a:rPr lang="en-IN" dirty="0"/>
-              <a:t>), an case is raised to contact (Example: SF/</a:t>
-            </a:r>
-            <a:r>
-              <a:rPr lang="en-IN" dirty="0" err="1"/>
-              <a:t>Coupa</a:t>
-            </a:r>
-            <a:r>
-              <a:rPr lang="en-IN" dirty="0"/>
-              <a:t> </a:t>
-            </a:r>
-            <a:r>
-              <a:rPr lang="en-IN" dirty="0" err="1"/>
-              <a:t>etc</a:t>
-            </a:r>
-            <a:r>
-              <a:rPr lang="en-IN" dirty="0"/>
-              <a:t>), for the same. The same will be notified to the Application Manager. A problem ticket will be created for the same and the issue is tracked though the problem ticket. The problem ticket is linked to the problem ticket and further analysis is </a:t>
-            </a:r>
-            <a:r>
-              <a:rPr lang="en-IN" dirty="0" smtClean="0"/>
-              <a:t>done.</a:t>
-            </a:r>
-          </a:p>
-          <a:p>
-            <a:r>
-              <a:rPr lang="en-IN" dirty="0"/>
-              <a:t>When multiple tickets are raised for the same issue, a problem ticket is created </a:t>
-            </a:r>
-            <a:endParaRPr lang="en-IN" dirty="0" smtClean="0"/>
-          </a:p>
-          <a:p>
-            <a:r>
-              <a:rPr lang="en-IN" dirty="0" smtClean="0"/>
-              <a:t> </a:t>
-            </a:r>
-            <a:r>
-              <a:rPr lang="en-IN" dirty="0"/>
-              <a:t>When there is no workaround or timely resolution available for an incident that’s being worked upon </a:t>
-            </a:r>
-            <a:endParaRPr lang="en-IN" dirty="0" smtClean="0"/>
-          </a:p>
-          <a:p>
-            <a:r>
-              <a:rPr lang="en-IN" dirty="0" smtClean="0"/>
-              <a:t> </a:t>
-            </a:r>
-            <a:r>
-              <a:rPr lang="en-IN" dirty="0"/>
-              <a:t>Any known potential issue (pro-active problem management) </a:t>
+              <a:t>Do a quick check in the database to see if this is a known error; If so, apply the solution</a:t>
             </a:r>
           </a:p>
         </p:txBody>
@@ -4214,7 +4086,7 @@
           <a:p>
             <a:r>
               <a:rPr lang="en-IN" dirty="0" smtClean="0"/>
-              <a:t>open</a:t>
+              <a:t>Problem Management Process</a:t>
             </a:r>
             <a:endParaRPr lang="en-IN" dirty="0"/>
           </a:p>
@@ -4235,13 +4107,35 @@
           <a:bodyPr/>
           <a:lstStyle/>
           <a:p>
-            <a:pPr marL="114300" indent="0">
-              <a:buNone/>
-            </a:pPr>
             <a:r>
               <a:rPr lang="en-IN" dirty="0"/>
-              <a:t>The initiate state of a problem ticket is open when its created. Either the problem owner or triage team validates the ticket on priority, CI, Prefix code and assigns to right group/person for further analysis of ticket.</a:t>
-            </a:r>
+              <a:t>A problem ticket can be created for various multiple reasons as detailed below including both pro-active problem management and/or re-active problem management</a:t>
+            </a:r>
+            <a:r>
+              <a:rPr lang="en-IN" dirty="0" smtClean="0"/>
+              <a:t>.</a:t>
+            </a:r>
+          </a:p>
+          <a:p>
+            <a:endParaRPr lang="en-IN" dirty="0"/>
+          </a:p>
+          <a:p>
+            <a:r>
+              <a:rPr lang="en-IN" dirty="0" smtClean="0"/>
+              <a:t>Proactive </a:t>
+            </a:r>
+          </a:p>
+          <a:p>
+            <a:endParaRPr lang="en-IN" dirty="0"/>
+          </a:p>
+          <a:p>
+            <a:r>
+              <a:rPr lang="en-IN" dirty="0" smtClean="0"/>
+              <a:t>Reactive   </a:t>
+            </a:r>
+          </a:p>
+          <a:p>
+            <a:endParaRPr lang="en-IN" dirty="0"/>
           </a:p>
         </p:txBody>
       </p:sp>
@@ -4292,7 +4186,7 @@
           <a:p>
             <a:r>
               <a:rPr lang="en-IN" dirty="0" smtClean="0"/>
-              <a:t>In analysis </a:t>
+              <a:t> </a:t>
             </a:r>
             <a:endParaRPr lang="en-IN" dirty="0"/>
           </a:p>
@@ -4313,7 +4207,74 @@
           <a:bodyPr/>
           <a:lstStyle/>
           <a:p>
-            <a:endParaRPr lang="en-IN" dirty="0"/>
+            <a:r>
+              <a:rPr lang="en-IN" dirty="0"/>
+              <a:t>If there is any issue with the product (Example: SF/</a:t>
+            </a:r>
+            <a:r>
+              <a:rPr lang="en-IN" dirty="0" err="1"/>
+              <a:t>Coupa</a:t>
+            </a:r>
+            <a:r>
+              <a:rPr lang="en-IN" dirty="0"/>
+              <a:t> </a:t>
+            </a:r>
+            <a:r>
+              <a:rPr lang="en-IN" dirty="0" err="1"/>
+              <a:t>etc</a:t>
+            </a:r>
+            <a:r>
+              <a:rPr lang="en-IN" dirty="0"/>
+              <a:t>), an case is raised to contact (Example: SF/</a:t>
+            </a:r>
+            <a:r>
+              <a:rPr lang="en-IN" dirty="0" err="1"/>
+              <a:t>Coupa</a:t>
+            </a:r>
+            <a:r>
+              <a:rPr lang="en-IN" dirty="0"/>
+              <a:t> </a:t>
+            </a:r>
+            <a:r>
+              <a:rPr lang="en-IN" dirty="0" err="1"/>
+              <a:t>etc</a:t>
+            </a:r>
+            <a:r>
+              <a:rPr lang="en-IN" dirty="0"/>
+              <a:t>), for the same. The same will be notified to the Application Manager. A problem ticket will be created for the same and the issue is tracked though the problem ticket. The problem ticket is linked to the problem ticket and further analysis is </a:t>
+            </a:r>
+            <a:r>
+              <a:rPr lang="en-IN" dirty="0" smtClean="0"/>
+              <a:t>done.</a:t>
+            </a:r>
+          </a:p>
+          <a:p>
+            <a:r>
+              <a:rPr lang="en-IN" dirty="0"/>
+              <a:t>When multiple tickets are raised for the same issue, a problem ticket is created </a:t>
+            </a:r>
+            <a:endParaRPr lang="en-IN" dirty="0" smtClean="0"/>
+          </a:p>
+          <a:p>
+            <a:r>
+              <a:rPr lang="en-IN" dirty="0" smtClean="0"/>
+              <a:t> </a:t>
+            </a:r>
+            <a:r>
+              <a:rPr lang="en-IN" dirty="0"/>
+              <a:t>When there is no workaround or timely resolution available for an incident that’s being worked upon </a:t>
+            </a:r>
+            <a:endParaRPr lang="en-IN" dirty="0" smtClean="0"/>
+          </a:p>
+          <a:p>
+            <a:r>
+              <a:rPr lang="en-IN" dirty="0" smtClean="0"/>
+              <a:t> </a:t>
+            </a:r>
+            <a:r>
+              <a:rPr lang="en-IN" dirty="0"/>
+              <a:t>Any known potential issue (pro-active problem management) </a:t>
+            </a:r>
           </a:p>
         </p:txBody>
       </p:sp>
@@ -4362,6 +4323,10 @@
           <a:bodyPr/>
           <a:lstStyle/>
           <a:p>
+            <a:r>
+              <a:rPr lang="en-IN" dirty="0" smtClean="0"/>
+              <a:t> </a:t>
+            </a:r>
             <a:endParaRPr lang="en-IN" dirty="0"/>
           </a:p>
         </p:txBody>
@@ -4376,11 +4341,78 @@
             <p:ph idx="1"/>
           </p:nvPr>
         </p:nvSpPr>
-        <p:spPr/>
-        <p:txBody>
-          <a:bodyPr/>
-          <a:lstStyle/>
-          <a:p>
+        <p:spPr>
+          <a:xfrm>
+            <a:off x="457200" y="1600200"/>
+            <a:ext cx="7620000" cy="4925144"/>
+          </a:xfrm>
+        </p:spPr>
+        <p:txBody>
+          <a:bodyPr>
+            <a:normAutofit/>
+          </a:bodyPr>
+          <a:lstStyle/>
+          <a:p>
+            <a:pPr marL="114300" indent="0">
+              <a:buNone/>
+            </a:pPr>
+            <a:r>
+              <a:rPr lang="en-IN" dirty="0" smtClean="0"/>
+              <a:t>open</a:t>
+            </a:r>
+          </a:p>
+          <a:p>
+            <a:pPr marL="114300" indent="0">
+              <a:buNone/>
+            </a:pPr>
+            <a:endParaRPr lang="en-IN" dirty="0" smtClean="0"/>
+          </a:p>
+          <a:p>
+            <a:pPr marL="114300" indent="0">
+              <a:buNone/>
+            </a:pPr>
+            <a:r>
+              <a:rPr lang="en-IN" dirty="0" smtClean="0"/>
+              <a:t>The </a:t>
+            </a:r>
+            <a:r>
+              <a:rPr lang="en-IN" dirty="0"/>
+              <a:t>initiate state of a problem ticket is open when its created. Either the problem owner or triage team validates the ticket on priority, CI, Prefix code and assigns to right group/person for further analysis of ticket</a:t>
+            </a:r>
+            <a:r>
+              <a:rPr lang="en-IN" dirty="0" smtClean="0"/>
+              <a:t>.</a:t>
+            </a:r>
+          </a:p>
+          <a:p>
+            <a:pPr marL="114300" indent="0">
+              <a:buNone/>
+            </a:pPr>
+            <a:endParaRPr lang="en-IN" dirty="0"/>
+          </a:p>
+          <a:p>
+            <a:pPr marL="114300" indent="0">
+              <a:buNone/>
+            </a:pPr>
+            <a:r>
+              <a:rPr lang="en-IN" dirty="0" smtClean="0"/>
+              <a:t>In Analysis</a:t>
+            </a:r>
+          </a:p>
+          <a:p>
+            <a:pPr marL="114300" indent="0">
+              <a:buNone/>
+            </a:pPr>
+            <a:endParaRPr lang="en-IN" dirty="0"/>
+          </a:p>
+          <a:p>
+            <a:pPr marL="114300" indent="0">
+              <a:buNone/>
+            </a:pPr>
+            <a:r>
+              <a:rPr lang="en-IN" dirty="0" smtClean="0"/>
+              <a:t>Update min frequency 4 days </a:t>
+            </a:r>
             <a:endParaRPr lang="en-IN" dirty="0"/>
           </a:p>
         </p:txBody>
@@ -4432,7 +4464,7 @@
           <a:p>
             <a:r>
               <a:rPr lang="en-IN" dirty="0" smtClean="0"/>
-              <a:t>Incident Management Process</a:t>
+              <a:t> </a:t>
             </a:r>
             <a:endParaRPr lang="en-IN" dirty="0"/>
           </a:p>
@@ -4450,28 +4482,27 @@
         </p:nvSpPr>
         <p:spPr/>
         <p:txBody>
-          <a:bodyPr>
-            <a:normAutofit/>
-          </a:bodyPr>
-          <a:lstStyle/>
-          <a:p>
-            <a:r>
-              <a:rPr lang="en-IN" dirty="0" smtClean="0"/>
-              <a:t>Triage</a:t>
-            </a:r>
-          </a:p>
-          <a:p>
-            <a:r>
-              <a:rPr lang="en-IN" dirty="0" smtClean="0"/>
-              <a:t>A ticket when assigned to part of Operation IT cloud &amp; 'GL_CORP FUNC APPS POOL2 assignment group in SNOW is in In Progress status. The triage team then validates the ticket on priority, Configuration Item, incident type and assigns to right application or person for further analysis of ticket.</a:t>
-            </a:r>
+          <a:bodyPr/>
+          <a:lstStyle/>
+          <a:p>
+            <a:r>
+              <a:rPr lang="en-IN" dirty="0" smtClean="0"/>
+              <a:t>Founded in 1863</a:t>
+            </a:r>
+          </a:p>
+          <a:p>
+            <a:r>
+              <a:rPr lang="en-IN" dirty="0" smtClean="0"/>
+              <a:t>Acquired GE Insurance 2006</a:t>
+            </a:r>
+            <a:endParaRPr lang="en-IN" dirty="0"/>
           </a:p>
         </p:txBody>
       </p:sp>
     </p:spTree>
     <p:extLst>
       <p:ext uri="{BB962C8B-B14F-4D97-AF65-F5344CB8AC3E}">
-        <p14:creationId xmlns:p14="http://schemas.microsoft.com/office/powerpoint/2010/main" val="2193248722"/>
+        <p14:creationId xmlns:p14="http://schemas.microsoft.com/office/powerpoint/2010/main" val="3852608204"/>
       </p:ext>
     </p:extLst>
   </p:cSld>
@@ -4513,6 +4544,10 @@
           <a:bodyPr/>
           <a:lstStyle/>
           <a:p>
+            <a:r>
+              <a:rPr lang="en-IN" dirty="0" smtClean="0"/>
+              <a:t> </a:t>
+            </a:r>
             <a:endParaRPr lang="en-IN" dirty="0"/>
           </a:p>
         </p:txBody>
@@ -4532,7 +4567,45 @@
           <a:bodyPr/>
           <a:lstStyle/>
           <a:p>
-            <a:endParaRPr lang="en-IN" dirty="0"/>
+            <a:pPr marL="114300" indent="0">
+              <a:buNone/>
+            </a:pPr>
+            <a:r>
+              <a:rPr lang="en-IN" dirty="0" smtClean="0"/>
+              <a:t>----In Analysis – 3</a:t>
+            </a:r>
+            <a:r>
+              <a:rPr lang="en-IN" baseline="30000" dirty="0" smtClean="0"/>
+              <a:t>rd</a:t>
+            </a:r>
+            <a:r>
+              <a:rPr lang="en-IN" dirty="0" smtClean="0"/>
+              <a:t> party relevant</a:t>
+            </a:r>
+          </a:p>
+          <a:p>
+            <a:r>
+              <a:rPr lang="en-IN" dirty="0" smtClean="0"/>
+              <a:t>flag checked</a:t>
+            </a:r>
+          </a:p>
+          <a:p>
+            <a:r>
+              <a:rPr lang="en-IN" dirty="0" smtClean="0"/>
+              <a:t>CN in External ID</a:t>
+            </a:r>
+          </a:p>
+          <a:p>
+            <a:r>
+              <a:rPr lang="en-IN" dirty="0" smtClean="0"/>
+              <a:t>Update once in a week</a:t>
+            </a:r>
+          </a:p>
+          <a:p>
+            <a:pPr marL="114300" indent="0">
+              <a:buNone/>
+            </a:pPr>
+            <a:endParaRPr lang="en-IN" dirty="0" smtClean="0"/>
           </a:p>
         </p:txBody>
       </p:sp>
@@ -4581,6 +4654,188 @@
           <a:bodyPr/>
           <a:lstStyle/>
           <a:p>
+            <a:r>
+              <a:rPr lang="en-IN" dirty="0" smtClean="0"/>
+              <a:t>3</a:t>
+            </a:r>
+            <a:r>
+              <a:rPr lang="en-IN" baseline="30000" dirty="0" smtClean="0"/>
+              <a:t>rd</a:t>
+            </a:r>
+            <a:r>
+              <a:rPr lang="en-IN" dirty="0" smtClean="0"/>
+              <a:t> party relevant status</a:t>
+            </a:r>
+            <a:endParaRPr lang="en-IN" dirty="0"/>
+          </a:p>
+        </p:txBody>
+      </p:sp>
+      <p:sp>
+        <p:nvSpPr>
+          <p:cNvPr id="3" name="Content Placeholder 2"/>
+          <p:cNvSpPr>
+            <a:spLocks noGrp="1"/>
+          </p:cNvSpPr>
+          <p:nvPr>
+            <p:ph idx="1"/>
+          </p:nvPr>
+        </p:nvSpPr>
+        <p:spPr/>
+        <p:txBody>
+          <a:bodyPr/>
+          <a:lstStyle/>
+          <a:p>
+            <a:r>
+              <a:rPr lang="en-IN" dirty="0" smtClean="0"/>
+              <a:t>Pending feedback system provider</a:t>
+            </a:r>
+          </a:p>
+          <a:p>
+            <a:r>
+              <a:rPr lang="en-IN" dirty="0" smtClean="0"/>
+              <a:t>Fixed – ready for testing</a:t>
+            </a:r>
+          </a:p>
+          <a:p>
+            <a:r>
+              <a:rPr lang="en-IN" dirty="0" smtClean="0"/>
+              <a:t>Tested successfully</a:t>
+            </a:r>
+          </a:p>
+          <a:p>
+            <a:r>
+              <a:rPr lang="en-IN" dirty="0" smtClean="0"/>
+              <a:t>Retest failed</a:t>
+            </a:r>
+          </a:p>
+          <a:p>
+            <a:r>
+              <a:rPr lang="en-IN" dirty="0" smtClean="0"/>
+              <a:t>Fixed for future release</a:t>
+            </a:r>
+          </a:p>
+          <a:p>
+            <a:endParaRPr lang="en-IN" dirty="0"/>
+          </a:p>
+        </p:txBody>
+      </p:sp>
+    </p:spTree>
+    <p:extLst>
+      <p:ext uri="{BB962C8B-B14F-4D97-AF65-F5344CB8AC3E}">
+        <p14:creationId xmlns:p14="http://schemas.microsoft.com/office/powerpoint/2010/main" val="320676604"/>
+      </p:ext>
+    </p:extLst>
+  </p:cSld>
+  <p:clrMapOvr>
+    <a:masterClrMapping/>
+  </p:clrMapOvr>
+</p:sld>
+</file>
+
+<file path=ppt/slides/slide22.xml><?xml version="1.0" encoding="utf-8"?>
+<p:sld xmlns:a="http://schemas.openxmlformats.org/drawingml/2006/main" xmlns:r="http://schemas.openxmlformats.org/officeDocument/2006/relationships" xmlns:p="http://schemas.openxmlformats.org/presentationml/2006/main">
+  <p:cSld>
+    <p:spTree>
+      <p:nvGrpSpPr>
+        <p:cNvPr id="1" name=""/>
+        <p:cNvGrpSpPr/>
+        <p:nvPr/>
+      </p:nvGrpSpPr>
+      <p:grpSpPr>
+        <a:xfrm>
+          <a:off x="0" y="0"/>
+          <a:ext cx="0" cy="0"/>
+          <a:chOff x="0" y="0"/>
+          <a:chExt cx="0" cy="0"/>
+        </a:xfrm>
+      </p:grpSpPr>
+      <p:sp>
+        <p:nvSpPr>
+          <p:cNvPr id="2" name="Title 1"/>
+          <p:cNvSpPr>
+            <a:spLocks noGrp="1"/>
+          </p:cNvSpPr>
+          <p:nvPr>
+            <p:ph type="title"/>
+          </p:nvPr>
+        </p:nvSpPr>
+        <p:spPr/>
+        <p:txBody>
+          <a:bodyPr/>
+          <a:lstStyle/>
+          <a:p>
+            <a:r>
+              <a:rPr lang="en-IN" dirty="0" smtClean="0"/>
+              <a:t>Waiting for change</a:t>
+            </a:r>
+            <a:endParaRPr lang="en-IN" dirty="0"/>
+          </a:p>
+        </p:txBody>
+      </p:sp>
+      <p:sp>
+        <p:nvSpPr>
+          <p:cNvPr id="3" name="Content Placeholder 2"/>
+          <p:cNvSpPr>
+            <a:spLocks noGrp="1"/>
+          </p:cNvSpPr>
+          <p:nvPr>
+            <p:ph idx="1"/>
+          </p:nvPr>
+        </p:nvSpPr>
+        <p:spPr/>
+        <p:txBody>
+          <a:bodyPr/>
+          <a:lstStyle/>
+          <a:p>
+            <a:endParaRPr lang="en-IN" dirty="0"/>
+          </a:p>
+        </p:txBody>
+      </p:sp>
+    </p:spTree>
+    <p:extLst>
+      <p:ext uri="{BB962C8B-B14F-4D97-AF65-F5344CB8AC3E}">
+        <p14:creationId xmlns:p14="http://schemas.microsoft.com/office/powerpoint/2010/main" val="320676604"/>
+      </p:ext>
+    </p:extLst>
+  </p:cSld>
+  <p:clrMapOvr>
+    <a:masterClrMapping/>
+  </p:clrMapOvr>
+</p:sld>
+</file>
+
+<file path=ppt/slides/slide23.xml><?xml version="1.0" encoding="utf-8"?>
+<p:sld xmlns:a="http://schemas.openxmlformats.org/drawingml/2006/main" xmlns:r="http://schemas.openxmlformats.org/officeDocument/2006/relationships" xmlns:p="http://schemas.openxmlformats.org/presentationml/2006/main">
+  <p:cSld>
+    <p:spTree>
+      <p:nvGrpSpPr>
+        <p:cNvPr id="1" name=""/>
+        <p:cNvGrpSpPr/>
+        <p:nvPr/>
+      </p:nvGrpSpPr>
+      <p:grpSpPr>
+        <a:xfrm>
+          <a:off x="0" y="0"/>
+          <a:ext cx="0" cy="0"/>
+          <a:chOff x="0" y="0"/>
+          <a:chExt cx="0" cy="0"/>
+        </a:xfrm>
+      </p:grpSpPr>
+      <p:sp>
+        <p:nvSpPr>
+          <p:cNvPr id="2" name="Title 1"/>
+          <p:cNvSpPr>
+            <a:spLocks noGrp="1"/>
+          </p:cNvSpPr>
+          <p:nvPr>
+            <p:ph type="title"/>
+          </p:nvPr>
+        </p:nvSpPr>
+        <p:spPr/>
+        <p:txBody>
+          <a:bodyPr/>
+          <a:lstStyle/>
+          <a:p>
             <a:endParaRPr lang="en-IN" dirty="0"/>
           </a:p>
         </p:txBody>
@@ -4641,7 +4896,51 @@
             <a:spLocks noGrp="1"/>
           </p:cNvSpPr>
           <p:nvPr>
-            <p:ph type="title"/>
+            <p:ph type="ctrTitle"/>
+          </p:nvPr>
+        </p:nvSpPr>
+        <p:spPr>
+          <a:xfrm>
+            <a:off x="685800" y="2130425"/>
+            <a:ext cx="7772400" cy="1658615"/>
+          </a:xfrm>
+        </p:spPr>
+        <p:txBody>
+          <a:bodyPr>
+            <a:normAutofit fontScale="90000"/>
+          </a:bodyPr>
+          <a:lstStyle/>
+          <a:p>
+            <a:r>
+              <a:rPr lang="en-IN" dirty="0" smtClean="0"/>
+              <a:t>Incident Management</a:t>
+            </a:r>
+            <a:br>
+              <a:rPr lang="en-IN" dirty="0" smtClean="0"/>
+            </a:br>
+            <a:r>
+              <a:rPr lang="en-IN" dirty="0" smtClean="0"/>
+              <a:t>Problem Management</a:t>
+            </a:r>
+            <a:br>
+              <a:rPr lang="en-IN" dirty="0" smtClean="0"/>
+            </a:br>
+            <a:r>
+              <a:rPr lang="en-IN" dirty="0" smtClean="0"/>
+              <a:t>IMPM</a:t>
+            </a:r>
+            <a:endParaRPr lang="en-IN" dirty="0"/>
+          </a:p>
+        </p:txBody>
+      </p:sp>
+      <p:sp>
+        <p:nvSpPr>
+          <p:cNvPr id="3" name="Subtitle 2"/>
+          <p:cNvSpPr>
+            <a:spLocks noGrp="1"/>
+          </p:cNvSpPr>
+          <p:nvPr>
+            <p:ph type="subTitle" idx="1"/>
           </p:nvPr>
         </p:nvSpPr>
         <p:spPr/>
@@ -4654,59 +4953,13 @@
               <a:t> </a:t>
             </a:r>
             <a:endParaRPr lang="en-IN" dirty="0"/>
-          </a:p>
-        </p:txBody>
-      </p:sp>
-      <p:sp>
-        <p:nvSpPr>
-          <p:cNvPr id="3" name="Content Placeholder 2"/>
-          <p:cNvSpPr>
-            <a:spLocks noGrp="1"/>
-          </p:cNvSpPr>
-          <p:nvPr>
-            <p:ph idx="1"/>
-          </p:nvPr>
-        </p:nvSpPr>
-        <p:spPr/>
-        <p:txBody>
-          <a:bodyPr/>
-          <a:lstStyle/>
-          <a:p>
-            <a:r>
-              <a:rPr lang="en-IN" dirty="0"/>
-              <a:t> If the priority of the incident is not rightly mentioned, take confirmation from Business or Application Manager an upgrade/downgrade of the incident. Confirmation details should be updated in the work note field</a:t>
-            </a:r>
-            <a:r>
-              <a:rPr lang="en-IN" dirty="0" smtClean="0"/>
-              <a:t>.</a:t>
-            </a:r>
-          </a:p>
-          <a:p>
-            <a:pPr marL="114300" indent="0">
-              <a:buNone/>
-            </a:pPr>
-            <a:endParaRPr lang="en-IN" dirty="0"/>
-          </a:p>
-          <a:p>
-            <a:r>
-              <a:rPr lang="en-IN" dirty="0"/>
-              <a:t>  Post assignment, triaging team need to response in customer communication field like Dear User, We have acknowledged your request. We will </a:t>
-            </a:r>
-            <a:r>
-              <a:rPr lang="en-IN" dirty="0" err="1"/>
-              <a:t>analyze</a:t>
-            </a:r>
-            <a:r>
-              <a:rPr lang="en-IN" dirty="0"/>
-              <a:t> &amp; get back to you with an update</a:t>
-            </a:r>
           </a:p>
         </p:txBody>
       </p:sp>
     </p:spTree>
     <p:extLst>
       <p:ext uri="{BB962C8B-B14F-4D97-AF65-F5344CB8AC3E}">
-        <p14:creationId xmlns:p14="http://schemas.microsoft.com/office/powerpoint/2010/main" val="658944661"/>
+        <p14:creationId xmlns:p14="http://schemas.microsoft.com/office/powerpoint/2010/main" val="1400362397"/>
       </p:ext>
     </p:extLst>
   </p:cSld>
@@ -4750,7 +5003,7 @@
           <a:p>
             <a:r>
               <a:rPr lang="en-IN" dirty="0" smtClean="0"/>
-              <a:t>Priority</a:t>
+              <a:t>incident</a:t>
             </a:r>
             <a:endParaRPr lang="en-IN" dirty="0"/>
           </a:p>
@@ -4771,33 +5024,21 @@
           <a:bodyPr/>
           <a:lstStyle/>
           <a:p>
-            <a:endParaRPr lang="en-IN" dirty="0"/>
-          </a:p>
-          <a:p>
-            <a:endParaRPr lang="en-IN" dirty="0" smtClean="0"/>
-          </a:p>
-          <a:p>
-            <a:r>
-              <a:rPr lang="en-IN" dirty="0" smtClean="0"/>
-              <a:t>Critical</a:t>
-            </a:r>
-          </a:p>
-          <a:p>
-            <a:r>
-              <a:rPr lang="en-IN" dirty="0" smtClean="0"/>
-              <a:t>High</a:t>
-            </a:r>
-          </a:p>
-          <a:p>
-            <a:r>
-              <a:rPr lang="en-IN" dirty="0" smtClean="0"/>
-              <a:t>Medium</a:t>
-            </a:r>
-          </a:p>
-          <a:p>
-            <a:r>
-              <a:rPr lang="en-IN" dirty="0" smtClean="0"/>
-              <a:t>Standard</a:t>
+            <a:r>
+              <a:rPr lang="en-IN" dirty="0" smtClean="0"/>
+              <a:t>Unplanned interruption </a:t>
+            </a:r>
+          </a:p>
+          <a:p>
+            <a:r>
+              <a:rPr lang="en-IN" dirty="0" smtClean="0"/>
+              <a:t>Service Quality</a:t>
+            </a:r>
+          </a:p>
+          <a:p>
+            <a:r>
+              <a:rPr lang="en-IN" dirty="0" smtClean="0"/>
+              <a:t>Customer Product</a:t>
             </a:r>
             <a:endParaRPr lang="en-IN" dirty="0"/>
           </a:p>
@@ -4806,7 +5047,7 @@
     </p:spTree>
     <p:extLst>
       <p:ext uri="{BB962C8B-B14F-4D97-AF65-F5344CB8AC3E}">
-        <p14:creationId xmlns:p14="http://schemas.microsoft.com/office/powerpoint/2010/main" val="2390003660"/>
+        <p14:creationId xmlns:p14="http://schemas.microsoft.com/office/powerpoint/2010/main" val="2888460965"/>
       </p:ext>
     </p:extLst>
   </p:cSld>
@@ -4850,7 +5091,7 @@
           <a:p>
             <a:r>
               <a:rPr lang="en-IN" dirty="0" smtClean="0"/>
-              <a:t>IMP – in progress</a:t>
+              <a:t>Incident Management Process</a:t>
             </a:r>
             <a:endParaRPr lang="en-IN" dirty="0"/>
           </a:p>
@@ -4868,72 +5109,42 @@
         </p:nvSpPr>
         <p:spPr/>
         <p:txBody>
-          <a:bodyPr/>
-          <a:lstStyle/>
-          <a:p>
-            <a:r>
-              <a:rPr lang="en-IN" dirty="0"/>
-              <a:t>As soon as incident owner sees a ticket, a quick check on Inquiry </a:t>
-            </a:r>
-            <a:r>
-              <a:rPr lang="en-IN" dirty="0" smtClean="0"/>
-              <a:t>type </a:t>
-            </a:r>
-            <a:r>
-              <a:rPr lang="en-IN" dirty="0"/>
-              <a:t>(Inquiry, </a:t>
+          <a:bodyPr>
+            <a:normAutofit/>
+          </a:bodyPr>
+          <a:lstStyle/>
+          <a:p>
+            <a:r>
+              <a:rPr lang="en-IN" dirty="0" smtClean="0"/>
+              <a:t>Triage</a:t>
+            </a:r>
+          </a:p>
+          <a:p>
+            <a:r>
+              <a:rPr lang="en-IN" dirty="0" smtClean="0"/>
+              <a:t>Goal of IM</a:t>
+            </a:r>
+          </a:p>
+          <a:p>
+            <a:r>
+              <a:rPr lang="en-IN" dirty="0" smtClean="0"/>
+              <a:t>The triage team then validates the ticket on priority, Configuration Item, incident type and assigns to right application or person for further analysis of ticket.(</a:t>
             </a:r>
             <a:r>
               <a:rPr lang="en-IN" dirty="0" err="1" smtClean="0"/>
-              <a:t>Incident,Feedback</a:t>
-            </a:r>
-            <a:r>
-              <a:rPr lang="en-IN" dirty="0" smtClean="0"/>
-              <a:t>) priority is made.</a:t>
-            </a:r>
-          </a:p>
-          <a:p>
-            <a:pPr marL="114300" indent="0">
-              <a:buNone/>
-            </a:pPr>
-            <a:r>
-              <a:rPr lang="en-IN" dirty="0" smtClean="0"/>
-              <a:t> </a:t>
-            </a:r>
-          </a:p>
-          <a:p>
-            <a:r>
-              <a:rPr lang="en-IN" dirty="0"/>
-              <a:t>If user has updated the field ''preferred way to be contacted'' in the ticket, contact user only through updated ''preferred way to be contacted''. If this field is not updated in the ticket, </a:t>
-            </a:r>
-            <a:r>
-              <a:rPr lang="en-IN" dirty="0" smtClean="0"/>
-              <a:t>follow </a:t>
-            </a:r>
-            <a:r>
-              <a:rPr lang="en-IN" dirty="0"/>
-              <a:t>different mode of communication followed as earlier</a:t>
-            </a:r>
-            <a:r>
-              <a:rPr lang="en-IN" dirty="0" smtClean="0"/>
-              <a:t>.</a:t>
-            </a:r>
-          </a:p>
-          <a:p>
-            <a:endParaRPr lang="en-IN" dirty="0"/>
-          </a:p>
-          <a:p>
-            <a:r>
-              <a:rPr lang="en-IN" dirty="0"/>
-              <a:t>Ticket update should happen </a:t>
-            </a:r>
-            <a:r>
-              <a:rPr lang="en-IN" dirty="0" err="1"/>
-              <a:t>atleast</a:t>
-            </a:r>
-            <a:r>
-              <a:rPr lang="en-IN" dirty="0"/>
-              <a:t> with a minimum frequency of 4 days either in customer communication field or in work notes of SNOW</a:t>
+              <a:t>reportedstage</a:t>
+            </a:r>
+            <a:r>
+              <a:rPr lang="en-IN" dirty="0" smtClean="0"/>
+              <a:t> to </a:t>
+            </a:r>
+            <a:r>
+              <a:rPr lang="en-IN" dirty="0" err="1" smtClean="0"/>
+              <a:t>closedstage</a:t>
+            </a:r>
+            <a:r>
+              <a:rPr lang="en-IN" dirty="0" smtClean="0"/>
+              <a:t>)</a:t>
             </a:r>
           </a:p>
         </p:txBody>
@@ -4941,7 +5152,7 @@
     </p:spTree>
     <p:extLst>
       <p:ext uri="{BB962C8B-B14F-4D97-AF65-F5344CB8AC3E}">
-        <p14:creationId xmlns:p14="http://schemas.microsoft.com/office/powerpoint/2010/main" val="320676604"/>
+        <p14:creationId xmlns:p14="http://schemas.microsoft.com/office/powerpoint/2010/main" val="2193248722"/>
       </p:ext>
     </p:extLst>
   </p:cSld>
@@ -5007,16 +5218,106 @@
           <a:lstStyle/>
           <a:p>
             <a:r>
+              <a:rPr lang="en-IN" dirty="0" smtClean="0"/>
+              <a:t>Response time </a:t>
+            </a:r>
+          </a:p>
+          <a:p>
+            <a:endParaRPr lang="en-IN" dirty="0"/>
+          </a:p>
+          <a:p>
+            <a:pPr marL="114300" indent="0">
+              <a:buNone/>
+            </a:pPr>
+            <a:r>
+              <a:rPr lang="en-IN" dirty="0" smtClean="0"/>
+              <a:t>Dear </a:t>
+            </a:r>
+            <a:r>
               <a:rPr lang="en-IN" dirty="0"/>
-              <a:t>Customer needs to be kept informed on the progress at regular intervals through customer communication field in SNOW</a:t>
-            </a:r>
+              <a:t>User, We have acknowledged your request. We will </a:t>
+            </a:r>
+            <a:r>
+              <a:rPr lang="en-IN" dirty="0" err="1"/>
+              <a:t>analyze</a:t>
+            </a:r>
+            <a:r>
+              <a:rPr lang="en-IN" dirty="0"/>
+              <a:t> &amp; get </a:t>
+            </a:r>
+            <a:r>
+              <a:rPr lang="en-IN" dirty="0" smtClean="0"/>
+              <a:t>back </a:t>
+            </a:r>
+            <a:r>
+              <a:rPr lang="en-IN" dirty="0"/>
+              <a:t>to you with an </a:t>
+            </a:r>
+            <a:r>
+              <a:rPr lang="en-IN" dirty="0" smtClean="0"/>
+              <a:t>update</a:t>
+            </a:r>
+          </a:p>
+          <a:p>
+            <a:pPr marL="114300" indent="0">
+              <a:buNone/>
+            </a:pPr>
+            <a:endParaRPr lang="en-IN" dirty="0"/>
+          </a:p>
+          <a:p>
+            <a:pPr marL="114300" indent="0">
+              <a:buNone/>
+            </a:pPr>
+            <a:endParaRPr lang="en-IN" dirty="0" smtClean="0"/>
+          </a:p>
+          <a:p>
+            <a:pPr marL="114300" indent="0">
+              <a:buNone/>
+            </a:pPr>
+            <a:r>
+              <a:rPr lang="en-IN" dirty="0" smtClean="0"/>
+              <a:t>3 types of application </a:t>
+            </a:r>
+          </a:p>
+          <a:p>
+            <a:pPr marL="114300" indent="0">
+              <a:buNone/>
+            </a:pPr>
+            <a:r>
+              <a:rPr lang="en-IN" dirty="0" smtClean="0"/>
+              <a:t>Platinum-</a:t>
+            </a:r>
+            <a:r>
+              <a:rPr lang="en-IN" dirty="0" err="1" smtClean="0"/>
+              <a:t>MyHR</a:t>
+            </a:r>
+            <a:endParaRPr lang="en-IN" dirty="0" smtClean="0"/>
+          </a:p>
+          <a:p>
+            <a:pPr marL="114300" indent="0">
+              <a:buNone/>
+            </a:pPr>
+            <a:r>
+              <a:rPr lang="en-IN" dirty="0" smtClean="0"/>
+              <a:t>Gold-CONCOR</a:t>
+            </a:r>
+          </a:p>
+          <a:p>
+            <a:pPr marL="114300" indent="0">
+              <a:buNone/>
+            </a:pPr>
+            <a:r>
+              <a:rPr lang="en-IN" dirty="0" smtClean="0"/>
+              <a:t>Silver-payrolls</a:t>
+            </a:r>
+            <a:endParaRPr lang="en-IN" dirty="0"/>
           </a:p>
         </p:txBody>
       </p:sp>
     </p:spTree>
     <p:extLst>
       <p:ext uri="{BB962C8B-B14F-4D97-AF65-F5344CB8AC3E}">
-        <p14:creationId xmlns:p14="http://schemas.microsoft.com/office/powerpoint/2010/main" val="320676604"/>
+        <p14:creationId xmlns:p14="http://schemas.microsoft.com/office/powerpoint/2010/main" val="658944661"/>
       </p:ext>
     </p:extLst>
   </p:cSld>
@@ -5060,7 +5361,7 @@
           <a:p>
             <a:r>
               <a:rPr lang="en-IN" dirty="0" smtClean="0"/>
-              <a:t> </a:t>
+              <a:t>Priority</a:t>
             </a:r>
             <a:endParaRPr lang="en-IN" dirty="0"/>
           </a:p>
@@ -5081,56 +5382,64 @@
           <a:bodyPr/>
           <a:lstStyle/>
           <a:p>
+            <a:endParaRPr lang="en-IN" dirty="0"/>
+          </a:p>
+          <a:p>
+            <a:pPr marL="114300" indent="0">
+              <a:buNone/>
+            </a:pPr>
+            <a:r>
+              <a:rPr lang="en-IN" dirty="0" smtClean="0"/>
+              <a:t>Priority </a:t>
+            </a:r>
+          </a:p>
+          <a:p>
+            <a:pPr marL="114300" indent="0">
+              <a:buNone/>
+            </a:pPr>
+            <a:r>
+              <a:rPr lang="en-IN" dirty="0" smtClean="0"/>
+              <a:t>Impact </a:t>
+            </a:r>
             <a:r>
               <a:rPr lang="en-IN" dirty="0"/>
-              <a:t>If the issue raised is caused due to a recent change/deployment, ensure to follow the below mentioned </a:t>
-            </a:r>
-            <a:r>
-              <a:rPr lang="en-IN" dirty="0" smtClean="0"/>
-              <a:t>steps</a:t>
-            </a:r>
-          </a:p>
-          <a:p>
-            <a:r>
-              <a:rPr lang="en-IN" dirty="0" smtClean="0"/>
-              <a:t> </a:t>
-            </a:r>
-            <a:r>
-              <a:rPr lang="en-IN" dirty="0"/>
-              <a:t>Changes/deployment could be Operations Run Team/3rd party vendors. </a:t>
-            </a:r>
+              <a:t>and urgency</a:t>
+            </a:r>
+          </a:p>
+          <a:p>
             <a:endParaRPr lang="en-IN" dirty="0" smtClean="0"/>
           </a:p>
           <a:p>
             <a:r>
               <a:rPr lang="en-IN" dirty="0" smtClean="0"/>
-              <a:t> </a:t>
-            </a:r>
-            <a:r>
-              <a:rPr lang="en-IN" dirty="0"/>
-              <a:t>CR number/case number to be in added into the "External Id </a:t>
-            </a:r>
-            <a:r>
-              <a:rPr lang="en-IN" dirty="0" smtClean="0"/>
-              <a:t>field</a:t>
-            </a:r>
-          </a:p>
-          <a:p>
-            <a:r>
-              <a:rPr lang="en-IN" dirty="0" smtClean="0"/>
-              <a:t>High </a:t>
-            </a:r>
-            <a:r>
-              <a:rPr lang="en-IN" dirty="0"/>
-              <a:t>level description of the change to be commented in work notes</a:t>
-            </a:r>
+              <a:t>Critical</a:t>
+            </a:r>
+          </a:p>
+          <a:p>
+            <a:r>
+              <a:rPr lang="en-IN" dirty="0" smtClean="0"/>
+              <a:t>High</a:t>
+            </a:r>
+          </a:p>
+          <a:p>
+            <a:r>
+              <a:rPr lang="en-IN" dirty="0" smtClean="0"/>
+              <a:t>Medium</a:t>
+            </a:r>
+          </a:p>
+          <a:p>
+            <a:r>
+              <a:rPr lang="en-IN" dirty="0" smtClean="0"/>
+              <a:t>Standard</a:t>
+            </a:r>
+            <a:endParaRPr lang="en-IN" dirty="0"/>
           </a:p>
         </p:txBody>
       </p:sp>
     </p:spTree>
     <p:extLst>
       <p:ext uri="{BB962C8B-B14F-4D97-AF65-F5344CB8AC3E}">
-        <p14:creationId xmlns:p14="http://schemas.microsoft.com/office/powerpoint/2010/main" val="320676604"/>
+        <p14:creationId xmlns:p14="http://schemas.microsoft.com/office/powerpoint/2010/main" val="2390003660"/>
       </p:ext>
     </p:extLst>
   </p:cSld>
@@ -5174,7 +5483,7 @@
           <a:p>
             <a:r>
               <a:rPr lang="en-IN" dirty="0" smtClean="0"/>
-              <a:t>ICM – Waiting for Customer</a:t>
+              <a:t>IMP – in progress</a:t>
             </a:r>
             <a:endParaRPr lang="en-IN" dirty="0"/>
           </a:p>
@@ -5193,44 +5502,110 @@
         <p:spPr/>
         <p:txBody>
           <a:bodyPr>
-            <a:normAutofit/>
+            <a:normAutofit fontScale="92500" lnSpcReduction="20000"/>
           </a:bodyPr>
           <a:lstStyle/>
           <a:p>
             <a:r>
               <a:rPr lang="en-IN" dirty="0"/>
-              <a:t>There are two reasons of waiting for statuses and the applicability of each status is detailed below</a:t>
-            </a:r>
-            <a:r>
-              <a:rPr lang="en-IN" dirty="0" smtClean="0"/>
-              <a:t>.</a:t>
-            </a:r>
+              <a:t>As soon as incident owner sees a ticket, a quick check on Inquiry </a:t>
+            </a:r>
+            <a:r>
+              <a:rPr lang="en-IN" dirty="0" smtClean="0"/>
+              <a:t>type </a:t>
+            </a:r>
+            <a:r>
+              <a:rPr lang="en-IN" dirty="0"/>
+              <a:t>(Inquiry, </a:t>
+            </a:r>
+            <a:r>
+              <a:rPr lang="en-IN" dirty="0" err="1" smtClean="0"/>
+              <a:t>Incident,Feedback</a:t>
+            </a:r>
+            <a:r>
+              <a:rPr lang="en-IN" dirty="0" smtClean="0"/>
+              <a:t>) priority is made.</a:t>
+            </a:r>
+          </a:p>
+          <a:p>
+            <a:endParaRPr lang="en-IN" dirty="0" smtClean="0"/>
           </a:p>
           <a:p>
             <a:endParaRPr lang="en-IN" dirty="0"/>
           </a:p>
           <a:p>
+            <a:endParaRPr lang="en-IN" dirty="0" smtClean="0"/>
+          </a:p>
+          <a:p>
+            <a:endParaRPr lang="en-IN" dirty="0"/>
+          </a:p>
+          <a:p>
+            <a:endParaRPr lang="en-IN" dirty="0" smtClean="0"/>
+          </a:p>
+          <a:p>
+            <a:endParaRPr lang="en-IN" dirty="0"/>
+          </a:p>
+          <a:p>
+            <a:endParaRPr lang="en-IN" dirty="0" smtClean="0"/>
+          </a:p>
+          <a:p>
+            <a:endParaRPr lang="en-IN" dirty="0"/>
+          </a:p>
+          <a:p>
+            <a:endParaRPr lang="en-IN" dirty="0" smtClean="0"/>
+          </a:p>
+          <a:p>
+            <a:pPr marL="114300" indent="0">
+              <a:buNone/>
+            </a:pPr>
+            <a:r>
+              <a:rPr lang="en-IN" dirty="0" smtClean="0"/>
+              <a:t> </a:t>
+            </a:r>
+          </a:p>
+          <a:p>
+            <a:endParaRPr lang="en-IN" dirty="0"/>
+          </a:p>
+          <a:p>
             <a:r>
               <a:rPr lang="en-IN" dirty="0"/>
-              <a:t>This waiting reason is used in case further information from customer is needed to further investigate the issue, or if the confirmation that the reported issue is resolved is needed</a:t>
-            </a:r>
-            <a:r>
-              <a:rPr lang="en-IN" dirty="0" smtClean="0"/>
-              <a:t>.</a:t>
-            </a:r>
-          </a:p>
-          <a:p>
-            <a:endParaRPr lang="en-IN" dirty="0"/>
-          </a:p>
-          <a:p>
+              <a:t>Ticket update should happen </a:t>
+            </a:r>
+            <a:r>
+              <a:rPr lang="en-IN" dirty="0" err="1"/>
+              <a:t>atleast</a:t>
+            </a:r>
             <a:r>
               <a:rPr lang="en-IN" dirty="0"/>
-              <a:t>If using this status, The next update becomes active and has to be updated with reasons on the reasons and agreement on the next update </a:t>
-            </a:r>
-            <a:endParaRPr lang="en-IN" dirty="0" smtClean="0"/>
-          </a:p>
-        </p:txBody>
-      </p:sp>
+              <a:t> with a minimum frequency of 4 days either in customer communication field or in work notes of SNOW</a:t>
+            </a:r>
+          </a:p>
+        </p:txBody>
+      </p:sp>
+      <p:pic>
+        <p:nvPicPr>
+          <p:cNvPr id="5" name="Picture 4"/>
+          <p:cNvPicPr>
+            <a:picLocks noChangeAspect="1"/>
+          </p:cNvPicPr>
+          <p:nvPr/>
+        </p:nvPicPr>
+        <p:blipFill>
+          <a:blip r:embed="rId2"/>
+          <a:stretch>
+            <a:fillRect/>
+          </a:stretch>
+        </p:blipFill>
+        <p:spPr>
+          <a:xfrm>
+            <a:off x="683568" y="2348880"/>
+            <a:ext cx="6934199" cy="2895601"/>
+          </a:xfrm>
+          <a:prstGeom prst="rect">
+            <a:avLst/>
+          </a:prstGeom>
+        </p:spPr>
+      </p:pic>
     </p:spTree>
     <p:extLst>
       <p:ext uri="{BB962C8B-B14F-4D97-AF65-F5344CB8AC3E}">
@@ -5300,36 +5675,9 @@
           <a:lstStyle/>
           <a:p>
             <a:r>
-              <a:rPr lang="en-IN" dirty="0" smtClean="0"/>
-              <a:t> </a:t>
-            </a:r>
-            <a:r>
               <a:rPr lang="en-IN" dirty="0"/>
-              <a:t>Comments must be updated in the 'Customer Communication' field of </a:t>
-            </a:r>
-            <a:r>
-              <a:rPr lang="en-IN" dirty="0" smtClean="0"/>
-              <a:t>incident</a:t>
-            </a:r>
-          </a:p>
-          <a:p>
-            <a:endParaRPr lang="en-IN" dirty="0" smtClean="0"/>
-          </a:p>
-          <a:p>
-            <a:endParaRPr lang="en-IN" dirty="0" smtClean="0"/>
-          </a:p>
-          <a:p>
-            <a:r>
-              <a:rPr lang="en-IN" dirty="0" smtClean="0"/>
-              <a:t> </a:t>
-            </a:r>
-            <a:r>
-              <a:rPr lang="en-IN" dirty="0"/>
-              <a:t>All the communication made to customer needs to be in simple business language, avoiding technical jargon as much as possible and in a way that’s easy for customer to understand</a:t>
-            </a:r>
-          </a:p>
-          <a:p>
-            <a:endParaRPr lang="en-IN" dirty="0"/>
+              <a:t>Customer needs to be kept informed on the progress at regular intervals through customer communication field in SNOW</a:t>
+            </a:r>
           </a:p>
         </p:txBody>
       </p:sp>
